--- a/Project_presentation.pptx
+++ b/Project_presentation.pptx
@@ -9,7 +9,9 @@
     <p:sldId id="257" r:id="rId3"/>
     <p:sldId id="258" r:id="rId4"/>
     <p:sldId id="259" r:id="rId5"/>
-    <p:sldId id="260" r:id="rId6"/>
+    <p:sldId id="261" r:id="rId6"/>
+    <p:sldId id="260" r:id="rId7"/>
+    <p:sldId id="262" r:id="rId8"/>
   </p:sldIdLst>
   <p:sldSz cx="12192000" cy="6858000"/>
   <p:notesSz cx="6858000" cy="9144000"/>
@@ -3346,7 +3348,10 @@
           <a:bodyPr/>
           <a:lstStyle/>
           <a:p>
-            <a:endParaRPr lang="en-US"/>
+            <a:r>
+              <a:rPr lang="en-US" dirty="0"/>
+              <a:t>Statistical-Modelling Project</a:t>
+            </a:r>
           </a:p>
         </p:txBody>
       </p:sp>
@@ -3368,10 +3373,15 @@
         </p:nvSpPr>
         <p:spPr/>
         <p:txBody>
-          <a:bodyPr/>
-          <a:lstStyle/>
-          <a:p>
-            <a:endParaRPr lang="en-US"/>
+          <a:bodyPr>
+            <a:normAutofit/>
+          </a:bodyPr>
+          <a:lstStyle/>
+          <a:p>
+            <a:r>
+              <a:rPr lang="en-US" sz="3600" dirty="0"/>
+              <a:t>Ali Faisal Raza</a:t>
+            </a:r>
           </a:p>
         </p:txBody>
       </p:sp>
@@ -3420,7 +3430,7 @@
         <p:spPr>
           <a:xfrm>
             <a:off x="559593" y="760393"/>
-            <a:ext cx="11072813" cy="4154984"/>
+            <a:ext cx="11072813" cy="5509200"/>
           </a:xfrm>
           <a:prstGeom prst="rect">
             <a:avLst/>
@@ -3483,7 +3493,15 @@
             </a:pPr>
             <a:r>
               <a:rPr lang="en-US" sz="2200" dirty="0"/>
-              <a:t>Get all the bike stations belonging to the city of London.</a:t>
+              <a:t>Get all the bike station details belonging to the city of London from ‘</a:t>
+            </a:r>
+            <a:r>
+              <a:rPr lang="en-US" sz="2200" dirty="0" err="1"/>
+              <a:t>CityBikes</a:t>
+            </a:r>
+            <a:r>
+              <a:rPr lang="en-US" sz="2200" dirty="0"/>
+              <a:t>’ API. </a:t>
             </a:r>
           </a:p>
           <a:p>
@@ -3493,7 +3511,7 @@
             </a:pPr>
             <a:r>
               <a:rPr lang="en-US" sz="2200" dirty="0"/>
-              <a:t>Total number of bike stations discovered: 796</a:t>
+              <a:t>Total number of bike stations received: 796</a:t>
             </a:r>
           </a:p>
           <a:p>
@@ -3510,7 +3528,7 @@
             </a:pPr>
             <a:r>
               <a:rPr lang="en-US" sz="2200" dirty="0"/>
-              <a:t>Gather bike stations details and collate them into a csv file.</a:t>
+              <a:t>Collate bike station information into a csv file.</a:t>
             </a:r>
           </a:p>
           <a:p>
@@ -3538,15 +3556,60 @@
             </a:pPr>
             <a:r>
               <a:rPr lang="en-US" sz="2200" dirty="0"/>
-              <a:t>Network details collected:</a:t>
-            </a:r>
-          </a:p>
-          <a:p>
-            <a:pPr marL="742950" lvl="1" indent="-285750">
-              <a:buFont typeface="Arial" panose="020B0604020202020204" pitchFamily="34" charset="0"/>
-              <a:buChar char="•"/>
-            </a:pPr>
+              <a:t>Bike Station details received:</a:t>
+            </a:r>
+          </a:p>
+          <a:p>
+            <a:pPr marL="1257300" lvl="2" indent="-342900">
+              <a:buFont typeface="Wingdings" pitchFamily="2" charset="2"/>
+              <a:buChar char="q"/>
+            </a:pPr>
+            <a:r>
+              <a:rPr lang="en-US" sz="2200" dirty="0" err="1"/>
+              <a:t>Station_id</a:t>
+            </a:r>
             <a:endParaRPr lang="en-US" sz="2200" dirty="0"/>
+          </a:p>
+          <a:p>
+            <a:pPr marL="1257300" lvl="2" indent="-342900">
+              <a:buFont typeface="Wingdings" pitchFamily="2" charset="2"/>
+              <a:buChar char="q"/>
+            </a:pPr>
+            <a:r>
+              <a:rPr lang="en-US" sz="2200" dirty="0" err="1"/>
+              <a:t>Station_name</a:t>
+            </a:r>
+            <a:endParaRPr lang="en-US" sz="2200" dirty="0"/>
+          </a:p>
+          <a:p>
+            <a:pPr marL="1257300" lvl="2" indent="-342900">
+              <a:buFont typeface="Wingdings" pitchFamily="2" charset="2"/>
+              <a:buChar char="q"/>
+            </a:pPr>
+            <a:r>
+              <a:rPr lang="en-US" sz="2200" dirty="0"/>
+              <a:t>Latitude</a:t>
+            </a:r>
+          </a:p>
+          <a:p>
+            <a:pPr marL="1257300" lvl="2" indent="-342900">
+              <a:buFont typeface="Wingdings" pitchFamily="2" charset="2"/>
+              <a:buChar char="q"/>
+            </a:pPr>
+            <a:r>
+              <a:rPr lang="en-US" sz="2200" dirty="0"/>
+              <a:t>Longitude</a:t>
+            </a:r>
+          </a:p>
+          <a:p>
+            <a:pPr marL="1257300" lvl="2" indent="-342900">
+              <a:buFont typeface="Wingdings" pitchFamily="2" charset="2"/>
+              <a:buChar char="q"/>
+            </a:pPr>
+            <a:r>
+              <a:rPr lang="en-US" sz="2200" dirty="0"/>
+              <a:t>Number of Bikes</a:t>
+            </a:r>
           </a:p>
         </p:txBody>
       </p:sp>
@@ -3565,7 +3628,7 @@
         <p:spPr>
           <a:xfrm>
             <a:off x="585788" y="171450"/>
-            <a:ext cx="6500812" cy="369332"/>
+            <a:ext cx="6500812" cy="461665"/>
           </a:xfrm>
           <a:prstGeom prst="rect">
             <a:avLst/>
@@ -3579,50 +3642,20 @@
           <a:lstStyle/>
           <a:p>
             <a:r>
-              <a:rPr lang="en-US" dirty="0"/>
+              <a:rPr lang="en-US" sz="2400" dirty="0"/>
               <a:t>Part 1: Connecting to </a:t>
             </a:r>
             <a:r>
-              <a:rPr lang="en-US" dirty="0" err="1"/>
+              <a:rPr lang="en-US" sz="2400" dirty="0" err="1"/>
               <a:t>CityBikes</a:t>
             </a:r>
             <a:r>
-              <a:rPr lang="en-US" dirty="0"/>
+              <a:rPr lang="en-US" sz="2400" dirty="0"/>
               <a:t> API</a:t>
             </a:r>
           </a:p>
         </p:txBody>
       </p:sp>
-      <p:pic>
-        <p:nvPicPr>
-          <p:cNvPr id="7" name="Picture 6">
-            <a:extLst>
-              <a:ext uri="{FF2B5EF4-FFF2-40B4-BE49-F238E27FC236}">
-                <a16:creationId xmlns:a16="http://schemas.microsoft.com/office/drawing/2014/main" id="{145D74A8-F2A6-2A84-2F2B-DE1D7E7D128C}"/>
-              </a:ext>
-            </a:extLst>
-          </p:cNvPr>
-          <p:cNvPicPr>
-            <a:picLocks noChangeAspect="1"/>
-          </p:cNvPicPr>
-          <p:nvPr/>
-        </p:nvPicPr>
-        <p:blipFill>
-          <a:blip r:embed="rId2"/>
-          <a:stretch>
-            <a:fillRect/>
-          </a:stretch>
-        </p:blipFill>
-        <p:spPr>
-          <a:xfrm>
-            <a:off x="4648200" y="4324350"/>
-            <a:ext cx="4876800" cy="2362200"/>
-          </a:xfrm>
-          <a:prstGeom prst="rect">
-            <a:avLst/>
-          </a:prstGeom>
-        </p:spPr>
-      </p:pic>
     </p:spTree>
     <p:extLst>
       <p:ext uri="{BB962C8B-B14F-4D97-AF65-F5344CB8AC3E}">
@@ -3667,8 +3700,8 @@
         </p:nvSpPr>
         <p:spPr>
           <a:xfrm>
-            <a:off x="571500" y="1000125"/>
-            <a:ext cx="11072813" cy="369332"/>
+            <a:off x="559593" y="643866"/>
+            <a:ext cx="11072813" cy="6463308"/>
           </a:xfrm>
           <a:prstGeom prst="rect">
             <a:avLst/>
@@ -3681,10 +3714,215 @@
           </a:bodyPr>
           <a:lstStyle/>
           <a:p>
+            <a:pPr marL="285750" indent="-285750">
+              <a:buFont typeface="Arial" panose="020B0604020202020204" pitchFamily="34" charset="0"/>
+              <a:buChar char="•"/>
+            </a:pPr>
             <a:r>
               <a:rPr lang="en-US" dirty="0"/>
-              <a:t>aa</a:t>
-            </a:r>
+              <a:t>Collect all business outlets information for first 100 bike stations (out of 796 stations) using Four Square API (100 stations selected for ease of analysis and faster data retrieval):</a:t>
+            </a:r>
+          </a:p>
+          <a:p>
+            <a:pPr marL="742950" lvl="1" indent="-285750">
+              <a:buFont typeface="Courier New" panose="02070309020205020404" pitchFamily="49" charset="0"/>
+              <a:buChar char="o"/>
+            </a:pPr>
+            <a:r>
+              <a:rPr lang="en-US" dirty="0"/>
+              <a:t>Total of 790 business outlets information received from API.</a:t>
+            </a:r>
+          </a:p>
+          <a:p>
+            <a:pPr marL="742950" lvl="1" indent="-285750">
+              <a:buFont typeface="Courier New" panose="02070309020205020404" pitchFamily="49" charset="0"/>
+              <a:buChar char="o"/>
+            </a:pPr>
+            <a:r>
+              <a:rPr lang="en-US" dirty="0"/>
+              <a:t>POI characteristics received included:</a:t>
+            </a:r>
+          </a:p>
+          <a:p>
+            <a:pPr marL="1200150" lvl="2" indent="-285750">
+              <a:buFont typeface="Wingdings" pitchFamily="2" charset="2"/>
+              <a:buChar char="q"/>
+            </a:pPr>
+            <a:r>
+              <a:rPr lang="en-US" dirty="0"/>
+              <a:t>Distance of business from nearest bike station.</a:t>
+            </a:r>
+          </a:p>
+          <a:p>
+            <a:pPr marL="1200150" lvl="2" indent="-285750">
+              <a:buFont typeface="Wingdings" pitchFamily="2" charset="2"/>
+              <a:buChar char="q"/>
+            </a:pPr>
+            <a:r>
+              <a:rPr lang="en-US" dirty="0"/>
+              <a:t>Nature of business  (‘Food’, ‘Retail’,…..)</a:t>
+            </a:r>
+          </a:p>
+          <a:p>
+            <a:pPr marL="1200150" lvl="2" indent="-285750">
+              <a:buFont typeface="Wingdings" pitchFamily="2" charset="2"/>
+              <a:buChar char="q"/>
+            </a:pPr>
+            <a:r>
+              <a:rPr lang="en-US" dirty="0"/>
+              <a:t>Latitude</a:t>
+            </a:r>
+          </a:p>
+          <a:p>
+            <a:pPr marL="1200150" lvl="2" indent="-285750">
+              <a:buFont typeface="Wingdings" pitchFamily="2" charset="2"/>
+              <a:buChar char="q"/>
+            </a:pPr>
+            <a:r>
+              <a:rPr lang="en-US" dirty="0"/>
+              <a:t>Longitude</a:t>
+            </a:r>
+          </a:p>
+          <a:p>
+            <a:pPr marL="742950" lvl="1" indent="-285750">
+              <a:buFont typeface="Courier New" panose="02070309020205020404" pitchFamily="49" charset="0"/>
+              <a:buChar char="o"/>
+            </a:pPr>
+            <a:r>
+              <a:rPr lang="en-US" dirty="0"/>
+              <a:t>Majority of business outlet pertained to food (553 out of 790)</a:t>
+            </a:r>
+          </a:p>
+          <a:p>
+            <a:pPr marL="742950" lvl="1" indent="-285750">
+              <a:buFont typeface="Courier New" panose="02070309020205020404" pitchFamily="49" charset="0"/>
+              <a:buChar char="o"/>
+            </a:pPr>
+            <a:r>
+              <a:rPr lang="en-US" dirty="0"/>
+              <a:t>All Business outlets information written to CSV file (‘fsquare_POIs_for_100_BikeStns.csv’)</a:t>
+            </a:r>
+          </a:p>
+          <a:p>
+            <a:pPr marL="285750" indent="-285750">
+              <a:buFont typeface="Wingdings" pitchFamily="2" charset="2"/>
+              <a:buChar char="q"/>
+            </a:pPr>
+            <a:endParaRPr lang="en-US" dirty="0"/>
+          </a:p>
+          <a:p>
+            <a:pPr marL="285750" indent="-285750">
+              <a:buFont typeface="Wingdings" pitchFamily="2" charset="2"/>
+              <a:buChar char="q"/>
+            </a:pPr>
+            <a:r>
+              <a:rPr lang="en-US" dirty="0"/>
+              <a:t>Collect all business outlets information for first 100 bike stations out of 796 stations using Yelp API:</a:t>
+            </a:r>
+          </a:p>
+          <a:p>
+            <a:pPr marL="742950" lvl="1" indent="-285750">
+              <a:buFont typeface="Courier New" panose="02070309020205020404" pitchFamily="49" charset="0"/>
+              <a:buChar char="o"/>
+            </a:pPr>
+            <a:r>
+              <a:rPr lang="en-US" dirty="0"/>
+              <a:t>Total of 2000 business outlets information received from API.</a:t>
+            </a:r>
+          </a:p>
+          <a:p>
+            <a:pPr marL="742950" lvl="1" indent="-285750">
+              <a:buFont typeface="Courier New" panose="02070309020205020404" pitchFamily="49" charset="0"/>
+              <a:buChar char="o"/>
+            </a:pPr>
+            <a:r>
+              <a:rPr lang="en-US" dirty="0"/>
+              <a:t>POI characteristics received included:</a:t>
+            </a:r>
+          </a:p>
+          <a:p>
+            <a:pPr marL="1200150" lvl="2" indent="-285750">
+              <a:buFont typeface="Wingdings" pitchFamily="2" charset="2"/>
+              <a:buChar char="q"/>
+            </a:pPr>
+            <a:r>
+              <a:rPr lang="en-US" dirty="0"/>
+              <a:t>Distance of business  from nearest bike station(s).</a:t>
+            </a:r>
+          </a:p>
+          <a:p>
+            <a:pPr marL="1200150" lvl="2" indent="-285750">
+              <a:buFont typeface="Wingdings" pitchFamily="2" charset="2"/>
+              <a:buChar char="q"/>
+            </a:pPr>
+            <a:r>
+              <a:rPr lang="en-US" dirty="0"/>
+              <a:t>Number of public reviews for the business.</a:t>
+            </a:r>
+          </a:p>
+          <a:p>
+            <a:pPr marL="1200150" lvl="2" indent="-285750">
+              <a:buFont typeface="Wingdings" pitchFamily="2" charset="2"/>
+              <a:buChar char="q"/>
+            </a:pPr>
+            <a:r>
+              <a:rPr lang="en-US" dirty="0"/>
+              <a:t>Public rating of the business.</a:t>
+            </a:r>
+          </a:p>
+          <a:p>
+            <a:pPr marL="1200150" lvl="2" indent="-285750">
+              <a:buFont typeface="Wingdings" pitchFamily="2" charset="2"/>
+              <a:buChar char="q"/>
+            </a:pPr>
+            <a:r>
+              <a:rPr lang="en-US" dirty="0"/>
+              <a:t>Latitude</a:t>
+            </a:r>
+          </a:p>
+          <a:p>
+            <a:pPr marL="1200150" lvl="2" indent="-285750">
+              <a:buFont typeface="Wingdings" pitchFamily="2" charset="2"/>
+              <a:buChar char="q"/>
+            </a:pPr>
+            <a:r>
+              <a:rPr lang="en-US" dirty="0"/>
+              <a:t>Longitude</a:t>
+            </a:r>
+          </a:p>
+          <a:p>
+            <a:pPr marL="742950" lvl="1" indent="-285750">
+              <a:buFont typeface="Courier New" panose="02070309020205020404" pitchFamily="49" charset="0"/>
+              <a:buChar char="o"/>
+            </a:pPr>
+            <a:r>
+              <a:rPr lang="en-US" dirty="0"/>
+              <a:t>Nature of business outlet (‘Food’ only)</a:t>
+            </a:r>
+          </a:p>
+          <a:p>
+            <a:pPr marL="742950" lvl="1" indent="-285750">
+              <a:buFont typeface="Courier New" panose="02070309020205020404" pitchFamily="49" charset="0"/>
+              <a:buChar char="o"/>
+            </a:pPr>
+            <a:r>
+              <a:rPr lang="en-US" dirty="0"/>
+              <a:t>All Business outlets information written to CSV file (‘yelp_POIs_for_100_BikeStns.csv’)</a:t>
+            </a:r>
+          </a:p>
+          <a:p>
+            <a:pPr marL="285750" indent="-285750">
+              <a:buFont typeface="Wingdings" pitchFamily="2" charset="2"/>
+              <a:buChar char="q"/>
+            </a:pPr>
+            <a:endParaRPr lang="en-US" dirty="0"/>
+          </a:p>
+          <a:p>
+            <a:pPr marL="285750" indent="-285750">
+              <a:buFont typeface="Wingdings" pitchFamily="2" charset="2"/>
+              <a:buChar char="q"/>
+            </a:pPr>
+            <a:endParaRPr lang="en-US" dirty="0"/>
           </a:p>
         </p:txBody>
       </p:sp>
@@ -3703,7 +3941,7 @@
         <p:spPr>
           <a:xfrm>
             <a:off x="585788" y="171450"/>
-            <a:ext cx="6500812" cy="369332"/>
+            <a:ext cx="6500812" cy="461665"/>
           </a:xfrm>
           <a:prstGeom prst="rect">
             <a:avLst/>
@@ -3717,7 +3955,7 @@
           <a:lstStyle/>
           <a:p>
             <a:r>
-              <a:rPr lang="en-US" dirty="0"/>
+              <a:rPr lang="en-US" sz="2400" dirty="0"/>
               <a:t>Part 2: Connecting to Foursquare and Yelp APIs</a:t>
             </a:r>
           </a:p>
@@ -3767,8 +4005,8 @@
         </p:nvSpPr>
         <p:spPr>
           <a:xfrm>
-            <a:off x="571500" y="1000125"/>
-            <a:ext cx="11072813" cy="369332"/>
+            <a:off x="585788" y="716242"/>
+            <a:ext cx="11072813" cy="6247864"/>
           </a:xfrm>
           <a:prstGeom prst="rect">
             <a:avLst/>
@@ -3781,10 +4019,149 @@
           </a:bodyPr>
           <a:lstStyle/>
           <a:p>
-            <a:r>
-              <a:rPr lang="en-US" dirty="0"/>
-              <a:t>aa</a:t>
-            </a:r>
+            <a:pPr marL="285750" indent="-285750">
+              <a:buFont typeface="Arial" panose="020B0604020202020204" pitchFamily="34" charset="0"/>
+              <a:buChar char="•"/>
+            </a:pPr>
+            <a:r>
+              <a:rPr lang="en-US" sz="2000" dirty="0"/>
+              <a:t>Owing to majority of information received pertaining to food outlets, focus of research shifted to ‘Food’ category.</a:t>
+            </a:r>
+          </a:p>
+          <a:p>
+            <a:pPr marL="742950" lvl="1" indent="-285750">
+              <a:buFont typeface="Wingdings" pitchFamily="2" charset="2"/>
+              <a:buChar char="Ø"/>
+            </a:pPr>
+            <a:r>
+              <a:rPr lang="en-US" sz="2000" dirty="0"/>
+              <a:t>(2533 out of 2790 business from ‘four square’ and ‘yelp’ are food businesses.)</a:t>
+            </a:r>
+          </a:p>
+          <a:p>
+            <a:pPr marL="285750" indent="-285750">
+              <a:buFont typeface="Arial" panose="020B0604020202020204" pitchFamily="34" charset="0"/>
+              <a:buChar char="•"/>
+            </a:pPr>
+            <a:endParaRPr lang="en-US" sz="2000" dirty="0"/>
+          </a:p>
+          <a:p>
+            <a:pPr marL="285750" indent="-285750">
+              <a:buFont typeface="Arial" panose="020B0604020202020204" pitchFamily="34" charset="0"/>
+              <a:buChar char="•"/>
+            </a:pPr>
+            <a:r>
+              <a:rPr lang="en-US" sz="2000" dirty="0"/>
+              <a:t>All businesses information from ‘four square’ and ‘yelp’ merged into a single dataset.</a:t>
+            </a:r>
+          </a:p>
+          <a:p>
+            <a:pPr marL="285750" indent="-285750">
+              <a:buFont typeface="Arial" panose="020B0604020202020204" pitchFamily="34" charset="0"/>
+              <a:buChar char="•"/>
+            </a:pPr>
+            <a:endParaRPr lang="en-US" sz="2000" dirty="0"/>
+          </a:p>
+          <a:p>
+            <a:pPr marL="285750" indent="-285750">
+              <a:buFont typeface="Arial" panose="020B0604020202020204" pitchFamily="34" charset="0"/>
+              <a:buChar char="•"/>
+            </a:pPr>
+            <a:r>
+              <a:rPr lang="en-US" sz="2000" dirty="0"/>
+              <a:t>The merged data was then aggregated for each bike station to derive the following parameters:</a:t>
+            </a:r>
+          </a:p>
+          <a:p>
+            <a:pPr marL="742950" lvl="1" indent="-285750">
+              <a:buFont typeface="Arial" panose="020B0604020202020204" pitchFamily="34" charset="0"/>
+              <a:buChar char="•"/>
+            </a:pPr>
+            <a:r>
+              <a:rPr lang="en-US" sz="2000" dirty="0"/>
+              <a:t>Average distance of food businesses (in each bike station zone) from the bike station.</a:t>
+            </a:r>
+          </a:p>
+          <a:p>
+            <a:pPr marL="742950" lvl="1" indent="-285750">
+              <a:buFont typeface="Arial" panose="020B0604020202020204" pitchFamily="34" charset="0"/>
+              <a:buChar char="•"/>
+            </a:pPr>
+            <a:r>
+              <a:rPr lang="en-US" sz="2000" dirty="0"/>
+              <a:t>Average number of reviews for food businesses in each bike station zone.</a:t>
+            </a:r>
+          </a:p>
+          <a:p>
+            <a:pPr marL="742950" lvl="1" indent="-285750">
+              <a:buFont typeface="Arial" panose="020B0604020202020204" pitchFamily="34" charset="0"/>
+              <a:buChar char="•"/>
+            </a:pPr>
+            <a:r>
+              <a:rPr lang="en-US" sz="2000" dirty="0"/>
+              <a:t>Average rating of food businesses in each bike station zone.</a:t>
+            </a:r>
+          </a:p>
+          <a:p>
+            <a:endParaRPr lang="en-US" sz="2000" dirty="0"/>
+          </a:p>
+          <a:p>
+            <a:pPr marL="285750" indent="-285750">
+              <a:buFont typeface="Arial" panose="020B0604020202020204" pitchFamily="34" charset="0"/>
+              <a:buChar char="•"/>
+            </a:pPr>
+            <a:r>
+              <a:rPr lang="en-US" sz="2000" dirty="0"/>
+              <a:t>Each bike station had its own characteristic in terms of ‘free bikes’ which was inferred as bike station capacity.</a:t>
+            </a:r>
+          </a:p>
+          <a:p>
+            <a:pPr marL="285750" indent="-285750">
+              <a:buFont typeface="Arial" panose="020B0604020202020204" pitchFamily="34" charset="0"/>
+              <a:buChar char="•"/>
+            </a:pPr>
+            <a:endParaRPr lang="en-US" sz="2000" dirty="0"/>
+          </a:p>
+          <a:p>
+            <a:pPr marL="285750" indent="-285750">
+              <a:buFont typeface="Arial" panose="020B0604020202020204" pitchFamily="34" charset="0"/>
+              <a:buChar char="•"/>
+            </a:pPr>
+            <a:r>
+              <a:rPr lang="en-US" sz="2000" dirty="0"/>
+              <a:t>A distribution containing 100 data points was hence created for each bike station.</a:t>
+            </a:r>
+          </a:p>
+          <a:p>
+            <a:pPr marL="285750" indent="-285750">
+              <a:buFont typeface="Arial" panose="020B0604020202020204" pitchFamily="34" charset="0"/>
+              <a:buChar char="•"/>
+            </a:pPr>
+            <a:endParaRPr lang="en-US" sz="2000" dirty="0"/>
+          </a:p>
+          <a:p>
+            <a:pPr marL="285750" indent="-285750">
+              <a:buFont typeface="Arial" panose="020B0604020202020204" pitchFamily="34" charset="0"/>
+              <a:buChar char="•"/>
+            </a:pPr>
+            <a:r>
+              <a:rPr lang="en-US" sz="2000" dirty="0"/>
+              <a:t>These data points were then plotted in different graphical forms to understand the nature of distribution.</a:t>
+            </a:r>
+          </a:p>
+          <a:p>
+            <a:pPr marL="285750" indent="-285750">
+              <a:buFont typeface="Arial" panose="020B0604020202020204" pitchFamily="34" charset="0"/>
+              <a:buChar char="•"/>
+            </a:pPr>
+            <a:endParaRPr lang="en-US" sz="2000" dirty="0"/>
+          </a:p>
+          <a:p>
+            <a:pPr marL="285750" indent="-285750">
+              <a:buFont typeface="Arial" panose="020B0604020202020204" pitchFamily="34" charset="0"/>
+              <a:buChar char="•"/>
+            </a:pPr>
+            <a:endParaRPr lang="en-US" sz="2000" dirty="0"/>
           </a:p>
         </p:txBody>
       </p:sp>
@@ -3803,7 +4180,7 @@
         <p:spPr>
           <a:xfrm>
             <a:off x="585788" y="171450"/>
-            <a:ext cx="6500812" cy="369332"/>
+            <a:ext cx="6500812" cy="461665"/>
           </a:xfrm>
           <a:prstGeom prst="rect">
             <a:avLst/>
@@ -3817,7 +4194,7 @@
           <a:lstStyle/>
           <a:p>
             <a:r>
-              <a:rPr lang="en-US" dirty="0"/>
+              <a:rPr lang="en-US" sz="2400" dirty="0"/>
               <a:t>Part 3: Joining Data</a:t>
             </a:r>
           </a:p>
@@ -3867,8 +4244,8 @@
         </p:nvSpPr>
         <p:spPr>
           <a:xfrm>
-            <a:off x="571500" y="1000125"/>
-            <a:ext cx="11072813" cy="369332"/>
+            <a:off x="585788" y="716242"/>
+            <a:ext cx="11072813" cy="6247864"/>
           </a:xfrm>
           <a:prstGeom prst="rect">
             <a:avLst/>
@@ -3881,10 +4258,197 @@
           </a:bodyPr>
           <a:lstStyle/>
           <a:p>
-            <a:r>
-              <a:rPr lang="en-US" dirty="0"/>
-              <a:t>aa</a:t>
-            </a:r>
+            <a:pPr marL="285750" indent="-285750">
+              <a:buFont typeface="Arial" panose="020B0604020202020204" pitchFamily="34" charset="0"/>
+              <a:buChar char="•"/>
+            </a:pPr>
+            <a:r>
+              <a:rPr lang="en-US" sz="2000" dirty="0"/>
+              <a:t>Four different datasets were analyzed first independently and then together:</a:t>
+            </a:r>
+          </a:p>
+          <a:p>
+            <a:pPr marL="742950" lvl="1" indent="-285750">
+              <a:buFont typeface="Arial" panose="020B0604020202020204" pitchFamily="34" charset="0"/>
+              <a:buChar char="•"/>
+            </a:pPr>
+            <a:r>
+              <a:rPr lang="en-US" sz="2000" dirty="0"/>
+              <a:t>Bike capacity of each bike station.</a:t>
+            </a:r>
+          </a:p>
+          <a:p>
+            <a:pPr marL="742950" lvl="1" indent="-285750">
+              <a:buFont typeface="Arial" panose="020B0604020202020204" pitchFamily="34" charset="0"/>
+              <a:buChar char="•"/>
+            </a:pPr>
+            <a:r>
+              <a:rPr lang="en-US" sz="2000" dirty="0"/>
+              <a:t>Average distance of food businesses from bike stations.</a:t>
+            </a:r>
+          </a:p>
+          <a:p>
+            <a:pPr marL="742950" lvl="1" indent="-285750">
+              <a:buFont typeface="Arial" panose="020B0604020202020204" pitchFamily="34" charset="0"/>
+              <a:buChar char="•"/>
+            </a:pPr>
+            <a:r>
+              <a:rPr lang="en-US" sz="2000" dirty="0"/>
+              <a:t>Average number of review for food businesses.</a:t>
+            </a:r>
+          </a:p>
+          <a:p>
+            <a:pPr marL="742950" lvl="1" indent="-285750">
+              <a:buFont typeface="Arial" panose="020B0604020202020204" pitchFamily="34" charset="0"/>
+              <a:buChar char="•"/>
+            </a:pPr>
+            <a:r>
+              <a:rPr lang="en-US" sz="2000" dirty="0"/>
+              <a:t>Average rating of businesses.</a:t>
+            </a:r>
+          </a:p>
+          <a:p>
+            <a:pPr marL="285750" indent="-285750">
+              <a:buFont typeface="Arial" panose="020B0604020202020204" pitchFamily="34" charset="0"/>
+              <a:buChar char="•"/>
+            </a:pPr>
+            <a:endParaRPr lang="en-US" sz="2000" dirty="0"/>
+          </a:p>
+          <a:p>
+            <a:pPr marL="285750" indent="-285750">
+              <a:buFont typeface="Arial" panose="020B0604020202020204" pitchFamily="34" charset="0"/>
+              <a:buChar char="•"/>
+            </a:pPr>
+            <a:r>
+              <a:rPr lang="en-US" sz="2000" dirty="0"/>
+              <a:t>Observations:</a:t>
+            </a:r>
+          </a:p>
+          <a:p>
+            <a:pPr marL="742950" lvl="1" indent="-285750">
+              <a:buFont typeface="Arial" panose="020B0604020202020204" pitchFamily="34" charset="0"/>
+              <a:buChar char="•"/>
+            </a:pPr>
+            <a:r>
+              <a:rPr lang="en-US" sz="2000" dirty="0"/>
+              <a:t>None of the datasets had normal distributions.</a:t>
+            </a:r>
+          </a:p>
+          <a:p>
+            <a:pPr marL="742950" lvl="1" indent="-285750">
+              <a:buFont typeface="Arial" panose="020B0604020202020204" pitchFamily="34" charset="0"/>
+              <a:buChar char="•"/>
+            </a:pPr>
+            <a:endParaRPr lang="en-US" sz="2000" dirty="0"/>
+          </a:p>
+          <a:p>
+            <a:pPr marL="742950" lvl="1" indent="-285750">
+              <a:buFont typeface="Arial" panose="020B0604020202020204" pitchFamily="34" charset="0"/>
+              <a:buChar char="•"/>
+            </a:pPr>
+            <a:r>
+              <a:rPr lang="en-US" sz="2000" dirty="0"/>
+              <a:t>There was little correlation between these datasets.</a:t>
+            </a:r>
+          </a:p>
+          <a:p>
+            <a:pPr marL="742950" lvl="1" indent="-285750">
+              <a:buFont typeface="Arial" panose="020B0604020202020204" pitchFamily="34" charset="0"/>
+              <a:buChar char="•"/>
+            </a:pPr>
+            <a:endParaRPr lang="en-US" sz="2000" dirty="0"/>
+          </a:p>
+          <a:p>
+            <a:pPr marL="742950" lvl="1" indent="-285750">
+              <a:buFont typeface="Arial" panose="020B0604020202020204" pitchFamily="34" charset="0"/>
+              <a:buChar char="•"/>
+            </a:pPr>
+            <a:r>
+              <a:rPr lang="en-US" sz="2000" dirty="0"/>
+              <a:t>There were outliers for some datasets, but these couldn’t be due to sampling or data entry error.</a:t>
+            </a:r>
+          </a:p>
+          <a:p>
+            <a:pPr marL="742950" lvl="1" indent="-285750">
+              <a:buFont typeface="Arial" panose="020B0604020202020204" pitchFamily="34" charset="0"/>
+              <a:buChar char="•"/>
+            </a:pPr>
+            <a:endParaRPr lang="en-US" sz="2000" dirty="0"/>
+          </a:p>
+          <a:p>
+            <a:pPr marL="285750" indent="-285750">
+              <a:buFont typeface="Arial" panose="020B0604020202020204" pitchFamily="34" charset="0"/>
+              <a:buChar char="•"/>
+            </a:pPr>
+            <a:r>
+              <a:rPr lang="en-US" sz="2000" dirty="0"/>
+              <a:t>SQL lite database:</a:t>
+            </a:r>
+          </a:p>
+          <a:p>
+            <a:pPr marL="742950" lvl="1" indent="-285750">
+              <a:buFont typeface="Arial" panose="020B0604020202020204" pitchFamily="34" charset="0"/>
+              <a:buChar char="•"/>
+            </a:pPr>
+            <a:r>
+              <a:rPr lang="en-US" sz="2000" dirty="0"/>
+              <a:t>Name of database: ‘</a:t>
+            </a:r>
+            <a:r>
+              <a:rPr lang="en-US" sz="2000" dirty="0" err="1"/>
+              <a:t>bike_stns_poi</a:t>
+            </a:r>
+            <a:r>
+              <a:rPr lang="en-US" sz="2000" dirty="0"/>
+              <a:t>’</a:t>
+            </a:r>
+          </a:p>
+          <a:p>
+            <a:pPr marL="742950" lvl="1" indent="-285750">
+              <a:buFont typeface="Arial" panose="020B0604020202020204" pitchFamily="34" charset="0"/>
+              <a:buChar char="•"/>
+            </a:pPr>
+            <a:r>
+              <a:rPr lang="en-US" sz="2000" dirty="0"/>
+              <a:t>Tables created:</a:t>
+            </a:r>
+          </a:p>
+          <a:p>
+            <a:pPr marL="1200150" lvl="2" indent="-285750">
+              <a:buFont typeface="Arial" panose="020B0604020202020204" pitchFamily="34" charset="0"/>
+              <a:buChar char="•"/>
+            </a:pPr>
+            <a:r>
+              <a:rPr lang="en-US" sz="2000" dirty="0"/>
+              <a:t>List of bike stations in city of London</a:t>
+            </a:r>
+          </a:p>
+          <a:p>
+            <a:pPr marL="1200150" lvl="2" indent="-285750">
+              <a:buFont typeface="Arial" panose="020B0604020202020204" pitchFamily="34" charset="0"/>
+              <a:buChar char="•"/>
+            </a:pPr>
+            <a:r>
+              <a:rPr lang="en-US" sz="2000" dirty="0"/>
+              <a:t>A joined and merged table of bike stations along with food outlets and POI characteristics.</a:t>
+            </a:r>
+          </a:p>
+          <a:p>
+            <a:pPr marL="1200150" lvl="2" indent="-285750">
+              <a:buFont typeface="Arial" panose="020B0604020202020204" pitchFamily="34" charset="0"/>
+              <a:buChar char="•"/>
+            </a:pPr>
+            <a:r>
+              <a:rPr lang="en-US" sz="2000" dirty="0"/>
+              <a:t>An aggregated table of POIs over each bike station.</a:t>
+            </a:r>
+          </a:p>
+          <a:p>
+            <a:pPr marL="742950" lvl="1" indent="-285750">
+              <a:buFont typeface="Arial" panose="020B0604020202020204" pitchFamily="34" charset="0"/>
+              <a:buChar char="•"/>
+            </a:pPr>
+            <a:endParaRPr lang="en-US" sz="2000" dirty="0"/>
           </a:p>
         </p:txBody>
       </p:sp>
@@ -3903,7 +4467,7 @@
         <p:spPr>
           <a:xfrm>
             <a:off x="585788" y="171450"/>
-            <a:ext cx="6500812" cy="369332"/>
+            <a:ext cx="6500812" cy="461665"/>
           </a:xfrm>
           <a:prstGeom prst="rect">
             <a:avLst/>
@@ -3917,8 +4481,260 @@
           <a:lstStyle/>
           <a:p>
             <a:r>
-              <a:rPr lang="en-US" dirty="0"/>
+              <a:rPr lang="en-US" sz="2400" dirty="0"/>
+              <a:t>Part 3: Joining Data - Continued</a:t>
+            </a:r>
+          </a:p>
+        </p:txBody>
+      </p:sp>
+    </p:spTree>
+    <p:extLst>
+      <p:ext uri="{BB962C8B-B14F-4D97-AF65-F5344CB8AC3E}">
+        <p14:creationId xmlns:p14="http://schemas.microsoft.com/office/powerpoint/2010/main" val="2875289502"/>
+      </p:ext>
+    </p:extLst>
+  </p:cSld>
+  <p:clrMapOvr>
+    <a:masterClrMapping/>
+  </p:clrMapOvr>
+</p:sld>
+</file>
+
+<file path=ppt/slides/slide6.xml><?xml version="1.0" encoding="utf-8"?>
+<p:sld xmlns:a="http://schemas.openxmlformats.org/drawingml/2006/main" xmlns:r="http://schemas.openxmlformats.org/officeDocument/2006/relationships" xmlns:p="http://schemas.openxmlformats.org/presentationml/2006/main">
+  <p:cSld>
+    <p:spTree>
+      <p:nvGrpSpPr>
+        <p:cNvPr id="1" name=""/>
+        <p:cNvGrpSpPr/>
+        <p:nvPr/>
+      </p:nvGrpSpPr>
+      <p:grpSpPr>
+        <a:xfrm>
+          <a:off x="0" y="0"/>
+          <a:ext cx="0" cy="0"/>
+          <a:chOff x="0" y="0"/>
+          <a:chExt cx="0" cy="0"/>
+        </a:xfrm>
+      </p:grpSpPr>
+      <p:sp>
+        <p:nvSpPr>
+          <p:cNvPr id="5" name="TextBox 4">
+            <a:extLst>
+              <a:ext uri="{FF2B5EF4-FFF2-40B4-BE49-F238E27FC236}">
+                <a16:creationId xmlns:a16="http://schemas.microsoft.com/office/drawing/2014/main" id="{21DC01F4-A8EE-8A25-68A9-88109B543037}"/>
+              </a:ext>
+            </a:extLst>
+          </p:cNvPr>
+          <p:cNvSpPr txBox="1"/>
+          <p:nvPr/>
+        </p:nvSpPr>
+        <p:spPr>
+          <a:xfrm>
+            <a:off x="585788" y="171450"/>
+            <a:ext cx="6500812" cy="461665"/>
+          </a:xfrm>
+          <a:prstGeom prst="rect">
+            <a:avLst/>
+          </a:prstGeom>
+          <a:noFill/>
+        </p:spPr>
+        <p:txBody>
+          <a:bodyPr wrap="square" rtlCol="0">
+            <a:spAutoFit/>
+          </a:bodyPr>
+          <a:lstStyle/>
+          <a:p>
+            <a:r>
+              <a:rPr lang="en-US" sz="2400" dirty="0"/>
               <a:t>Part 4: Building a Model</a:t>
+            </a:r>
+          </a:p>
+        </p:txBody>
+      </p:sp>
+      <p:sp>
+        <p:nvSpPr>
+          <p:cNvPr id="3" name="TextBox 2">
+            <a:extLst>
+              <a:ext uri="{FF2B5EF4-FFF2-40B4-BE49-F238E27FC236}">
+                <a16:creationId xmlns:a16="http://schemas.microsoft.com/office/drawing/2014/main" id="{0146A5AB-D63E-2CA0-EF02-ECBEEB86A913}"/>
+              </a:ext>
+            </a:extLst>
+          </p:cNvPr>
+          <p:cNvSpPr txBox="1"/>
+          <p:nvPr/>
+        </p:nvSpPr>
+        <p:spPr>
+          <a:xfrm>
+            <a:off x="585788" y="716242"/>
+            <a:ext cx="11072813" cy="5324535"/>
+          </a:xfrm>
+          <a:prstGeom prst="rect">
+            <a:avLst/>
+          </a:prstGeom>
+          <a:noFill/>
+        </p:spPr>
+        <p:txBody>
+          <a:bodyPr wrap="square" rtlCol="0">
+            <a:spAutoFit/>
+          </a:bodyPr>
+          <a:lstStyle/>
+          <a:p>
+            <a:pPr marL="742950" lvl="1" indent="-285750">
+              <a:buFont typeface="Arial" panose="020B0604020202020204" pitchFamily="34" charset="0"/>
+              <a:buChar char="•"/>
+            </a:pPr>
+            <a:r>
+              <a:rPr lang="en-US" sz="2000" dirty="0"/>
+              <a:t>Forward selection model building adopted.</a:t>
+            </a:r>
+          </a:p>
+          <a:p>
+            <a:pPr marL="742950" lvl="1" indent="-285750">
+              <a:buFont typeface="Arial" panose="020B0604020202020204" pitchFamily="34" charset="0"/>
+              <a:buChar char="•"/>
+            </a:pPr>
+            <a:endParaRPr lang="en-US" sz="2000" dirty="0"/>
+          </a:p>
+          <a:p>
+            <a:pPr marL="742950" lvl="1" indent="-285750">
+              <a:buFont typeface="Arial" panose="020B0604020202020204" pitchFamily="34" charset="0"/>
+              <a:buChar char="•"/>
+            </a:pPr>
+            <a:r>
+              <a:rPr lang="en-US" sz="2000" dirty="0"/>
+              <a:t>Dependent variable selected: ‘Average Number of Business Reviews’</a:t>
+            </a:r>
+          </a:p>
+          <a:p>
+            <a:pPr marL="1200150" lvl="2" indent="-285750">
+              <a:buFont typeface="Arial" panose="020B0604020202020204" pitchFamily="34" charset="0"/>
+              <a:buChar char="•"/>
+            </a:pPr>
+            <a:r>
+              <a:rPr lang="en-US" sz="2000" dirty="0"/>
+              <a:t>Independent variables: </a:t>
+            </a:r>
+          </a:p>
+          <a:p>
+            <a:pPr marL="1657350" lvl="3" indent="-285750">
+              <a:buFont typeface="Arial" panose="020B0604020202020204" pitchFamily="34" charset="0"/>
+              <a:buChar char="•"/>
+            </a:pPr>
+            <a:r>
+              <a:rPr lang="en-US" sz="2000" dirty="0"/>
+              <a:t>Average business distance from stations,</a:t>
+            </a:r>
+          </a:p>
+          <a:p>
+            <a:pPr marL="1657350" lvl="3" indent="-285750">
+              <a:buFont typeface="Arial" panose="020B0604020202020204" pitchFamily="34" charset="0"/>
+              <a:buChar char="•"/>
+            </a:pPr>
+            <a:r>
+              <a:rPr lang="en-US" sz="2000" dirty="0"/>
+              <a:t>Station Bike Capacity,</a:t>
+            </a:r>
+          </a:p>
+          <a:p>
+            <a:pPr marL="1657350" lvl="3" indent="-285750">
+              <a:buFont typeface="Arial" panose="020B0604020202020204" pitchFamily="34" charset="0"/>
+              <a:buChar char="•"/>
+            </a:pPr>
+            <a:r>
+              <a:rPr lang="en-US" sz="2000" dirty="0"/>
+              <a:t>Average Business Rating</a:t>
+            </a:r>
+          </a:p>
+          <a:p>
+            <a:pPr marL="742950" lvl="1" indent="-285750">
+              <a:buFont typeface="Arial" panose="020B0604020202020204" pitchFamily="34" charset="0"/>
+              <a:buChar char="•"/>
+            </a:pPr>
+            <a:endParaRPr lang="en-US" sz="2000" dirty="0"/>
+          </a:p>
+          <a:p>
+            <a:pPr marL="742950" lvl="1" indent="-285750">
+              <a:buFont typeface="Arial" panose="020B0604020202020204" pitchFamily="34" charset="0"/>
+              <a:buChar char="•"/>
+            </a:pPr>
+            <a:r>
+              <a:rPr lang="en-US" sz="2000" dirty="0"/>
+              <a:t>Adjusted R Square received: 0.065. Conclusion: Viable Model not feasible.</a:t>
+            </a:r>
+          </a:p>
+          <a:p>
+            <a:pPr marL="742950" lvl="1" indent="-285750">
+              <a:buFont typeface="Arial" panose="020B0604020202020204" pitchFamily="34" charset="0"/>
+              <a:buChar char="•"/>
+            </a:pPr>
+            <a:endParaRPr lang="en-US" sz="2000" dirty="0"/>
+          </a:p>
+          <a:p>
+            <a:pPr marL="742950" lvl="1" indent="-285750">
+              <a:buFont typeface="Arial" panose="020B0604020202020204" pitchFamily="34" charset="0"/>
+              <a:buChar char="•"/>
+            </a:pPr>
+            <a:r>
+              <a:rPr lang="en-US" sz="2000" dirty="0"/>
+              <a:t>New dependent variable selected: ‘Average Business Rating’.</a:t>
+            </a:r>
+          </a:p>
+          <a:p>
+            <a:pPr marL="1200150" lvl="2" indent="-285750">
+              <a:buFont typeface="Arial" panose="020B0604020202020204" pitchFamily="34" charset="0"/>
+              <a:buChar char="•"/>
+            </a:pPr>
+            <a:r>
+              <a:rPr lang="en-US" sz="2000" dirty="0"/>
+              <a:t>Independent variables: </a:t>
+            </a:r>
+          </a:p>
+          <a:p>
+            <a:pPr marL="1657350" lvl="3" indent="-285750">
+              <a:buFont typeface="Arial" panose="020B0604020202020204" pitchFamily="34" charset="0"/>
+              <a:buChar char="•"/>
+            </a:pPr>
+            <a:r>
+              <a:rPr lang="en-US" sz="2000" dirty="0"/>
+              <a:t>Average business distance from stations,</a:t>
+            </a:r>
+          </a:p>
+          <a:p>
+            <a:pPr marL="1657350" lvl="3" indent="-285750">
+              <a:buFont typeface="Arial" panose="020B0604020202020204" pitchFamily="34" charset="0"/>
+              <a:buChar char="•"/>
+            </a:pPr>
+            <a:r>
+              <a:rPr lang="en-US" sz="2000" dirty="0"/>
+              <a:t>Station Bike Capacity,</a:t>
+            </a:r>
+          </a:p>
+          <a:p>
+            <a:pPr marL="1657350" lvl="3" indent="-285750">
+              <a:buFont typeface="Arial" panose="020B0604020202020204" pitchFamily="34" charset="0"/>
+              <a:buChar char="•"/>
+            </a:pPr>
+            <a:r>
+              <a:rPr lang="en-US" sz="2000" dirty="0"/>
+              <a:t>Average Number of Business Reviews</a:t>
+            </a:r>
+          </a:p>
+          <a:p>
+            <a:pPr marL="742950" lvl="1" indent="-285750">
+              <a:buFont typeface="Arial" panose="020B0604020202020204" pitchFamily="34" charset="0"/>
+              <a:buChar char="•"/>
+            </a:pPr>
+            <a:endParaRPr lang="en-US" sz="2000" dirty="0"/>
+          </a:p>
+          <a:p>
+            <a:pPr marL="742950" lvl="1" indent="-285750">
+              <a:buFont typeface="Arial" panose="020B0604020202020204" pitchFamily="34" charset="0"/>
+              <a:buChar char="•"/>
+            </a:pPr>
+            <a:r>
+              <a:rPr lang="en-US" sz="2000" dirty="0"/>
+              <a:t>Adjusted R Square: 0.017. Conclusion: Viable Model not feasible.</a:t>
             </a:r>
           </a:p>
         </p:txBody>
@@ -3927,6 +4743,64 @@
     <p:extLst>
       <p:ext uri="{BB962C8B-B14F-4D97-AF65-F5344CB8AC3E}">
         <p14:creationId xmlns:p14="http://schemas.microsoft.com/office/powerpoint/2010/main" val="1230542424"/>
+      </p:ext>
+    </p:extLst>
+  </p:cSld>
+  <p:clrMapOvr>
+    <a:masterClrMapping/>
+  </p:clrMapOvr>
+</p:sld>
+</file>
+
+<file path=ppt/slides/slide7.xml><?xml version="1.0" encoding="utf-8"?>
+<p:sld xmlns:a="http://schemas.openxmlformats.org/drawingml/2006/main" xmlns:r="http://schemas.openxmlformats.org/officeDocument/2006/relationships" xmlns:p="http://schemas.openxmlformats.org/presentationml/2006/main">
+  <p:cSld>
+    <p:spTree>
+      <p:nvGrpSpPr>
+        <p:cNvPr id="1" name=""/>
+        <p:cNvGrpSpPr/>
+        <p:nvPr/>
+      </p:nvGrpSpPr>
+      <p:grpSpPr>
+        <a:xfrm>
+          <a:off x="0" y="0"/>
+          <a:ext cx="0" cy="0"/>
+          <a:chOff x="0" y="0"/>
+          <a:chExt cx="0" cy="0"/>
+        </a:xfrm>
+      </p:grpSpPr>
+      <p:sp>
+        <p:nvSpPr>
+          <p:cNvPr id="2" name="Title 1">
+            <a:extLst>
+              <a:ext uri="{FF2B5EF4-FFF2-40B4-BE49-F238E27FC236}">
+                <a16:creationId xmlns:a16="http://schemas.microsoft.com/office/drawing/2014/main" id="{EE80E1F2-7624-EEF8-A2BC-8CAA3C160B51}"/>
+              </a:ext>
+            </a:extLst>
+          </p:cNvPr>
+          <p:cNvSpPr>
+            <a:spLocks noGrp="1"/>
+          </p:cNvSpPr>
+          <p:nvPr>
+            <p:ph type="ctrTitle"/>
+          </p:nvPr>
+        </p:nvSpPr>
+        <p:spPr/>
+        <p:txBody>
+          <a:bodyPr/>
+          <a:lstStyle/>
+          <a:p>
+            <a:r>
+              <a:rPr lang="en-US" dirty="0"/>
+              <a:t>Questions?</a:t>
+            </a:r>
+          </a:p>
+        </p:txBody>
+      </p:sp>
+    </p:spTree>
+    <p:extLst>
+      <p:ext uri="{BB962C8B-B14F-4D97-AF65-F5344CB8AC3E}">
+        <p14:creationId xmlns:p14="http://schemas.microsoft.com/office/powerpoint/2010/main" val="3673191691"/>
       </p:ext>
     </p:extLst>
   </p:cSld>
